--- a/images/Presentation1.pptx
+++ b/images/Presentation1.pptx
@@ -11,6 +11,7 @@
     <p:sldId id="259" r:id="rId5"/>
     <p:sldId id="260" r:id="rId6"/>
     <p:sldId id="261" r:id="rId7"/>
+    <p:sldId id="262" r:id="rId8"/>
   </p:sldIdLst>
   <p:sldSz cx="12192000" cy="6858000"/>
   <p:notesSz cx="6858000" cy="9144000"/>
@@ -264,7 +265,7 @@
           <a:p>
             <a:fld id="{667A0C78-CDBF-467F-A583-73418D0F68A2}" type="datetimeFigureOut">
               <a:rPr lang="en-US" smtClean="0"/>
-              <a:t>4/7/2023</a:t>
+              <a:t>4/9/2023</a:t>
             </a:fld>
             <a:endParaRPr lang="en-US"/>
           </a:p>
@@ -462,7 +463,7 @@
           <a:p>
             <a:fld id="{667A0C78-CDBF-467F-A583-73418D0F68A2}" type="datetimeFigureOut">
               <a:rPr lang="en-US" smtClean="0"/>
-              <a:t>4/7/2023</a:t>
+              <a:t>4/9/2023</a:t>
             </a:fld>
             <a:endParaRPr lang="en-US"/>
           </a:p>
@@ -670,7 +671,7 @@
           <a:p>
             <a:fld id="{667A0C78-CDBF-467F-A583-73418D0F68A2}" type="datetimeFigureOut">
               <a:rPr lang="en-US" smtClean="0"/>
-              <a:t>4/7/2023</a:t>
+              <a:t>4/9/2023</a:t>
             </a:fld>
             <a:endParaRPr lang="en-US"/>
           </a:p>
@@ -868,7 +869,7 @@
           <a:p>
             <a:fld id="{667A0C78-CDBF-467F-A583-73418D0F68A2}" type="datetimeFigureOut">
               <a:rPr lang="en-US" smtClean="0"/>
-              <a:t>4/7/2023</a:t>
+              <a:t>4/9/2023</a:t>
             </a:fld>
             <a:endParaRPr lang="en-US"/>
           </a:p>
@@ -1143,7 +1144,7 @@
           <a:p>
             <a:fld id="{667A0C78-CDBF-467F-A583-73418D0F68A2}" type="datetimeFigureOut">
               <a:rPr lang="en-US" smtClean="0"/>
-              <a:t>4/7/2023</a:t>
+              <a:t>4/9/2023</a:t>
             </a:fld>
             <a:endParaRPr lang="en-US"/>
           </a:p>
@@ -1408,7 +1409,7 @@
           <a:p>
             <a:fld id="{667A0C78-CDBF-467F-A583-73418D0F68A2}" type="datetimeFigureOut">
               <a:rPr lang="en-US" smtClean="0"/>
-              <a:t>4/7/2023</a:t>
+              <a:t>4/9/2023</a:t>
             </a:fld>
             <a:endParaRPr lang="en-US"/>
           </a:p>
@@ -1820,7 +1821,7 @@
           <a:p>
             <a:fld id="{667A0C78-CDBF-467F-A583-73418D0F68A2}" type="datetimeFigureOut">
               <a:rPr lang="en-US" smtClean="0"/>
-              <a:t>4/7/2023</a:t>
+              <a:t>4/9/2023</a:t>
             </a:fld>
             <a:endParaRPr lang="en-US"/>
           </a:p>
@@ -1961,7 +1962,7 @@
           <a:p>
             <a:fld id="{667A0C78-CDBF-467F-A583-73418D0F68A2}" type="datetimeFigureOut">
               <a:rPr lang="en-US" smtClean="0"/>
-              <a:t>4/7/2023</a:t>
+              <a:t>4/9/2023</a:t>
             </a:fld>
             <a:endParaRPr lang="en-US"/>
           </a:p>
@@ -2074,7 +2075,7 @@
           <a:p>
             <a:fld id="{667A0C78-CDBF-467F-A583-73418D0F68A2}" type="datetimeFigureOut">
               <a:rPr lang="en-US" smtClean="0"/>
-              <a:t>4/7/2023</a:t>
+              <a:t>4/9/2023</a:t>
             </a:fld>
             <a:endParaRPr lang="en-US"/>
           </a:p>
@@ -2385,7 +2386,7 @@
           <a:p>
             <a:fld id="{667A0C78-CDBF-467F-A583-73418D0F68A2}" type="datetimeFigureOut">
               <a:rPr lang="en-US" smtClean="0"/>
-              <a:t>4/7/2023</a:t>
+              <a:t>4/9/2023</a:t>
             </a:fld>
             <a:endParaRPr lang="en-US"/>
           </a:p>
@@ -2673,7 +2674,7 @@
           <a:p>
             <a:fld id="{667A0C78-CDBF-467F-A583-73418D0F68A2}" type="datetimeFigureOut">
               <a:rPr lang="en-US" smtClean="0"/>
-              <a:t>4/7/2023</a:t>
+              <a:t>4/9/2023</a:t>
             </a:fld>
             <a:endParaRPr lang="en-US"/>
           </a:p>
@@ -2914,7 +2915,7 @@
           <a:p>
             <a:fld id="{667A0C78-CDBF-467F-A583-73418D0F68A2}" type="datetimeFigureOut">
               <a:rPr lang="en-US" smtClean="0"/>
-              <a:t>4/7/2023</a:t>
+              <a:t>4/9/2023</a:t>
             </a:fld>
             <a:endParaRPr lang="en-US"/>
           </a:p>
@@ -5974,7 +5975,7 @@
           </p:blipFill>
           <p:spPr>
             <a:xfrm>
-              <a:off x="9541827" y="2514456"/>
+              <a:off x="9490264" y="2498744"/>
               <a:ext cx="2431016" cy="1052630"/>
             </a:xfrm>
             <a:prstGeom prst="rect">
@@ -6427,7 +6428,7 @@
         </p:blipFill>
         <p:spPr>
           <a:xfrm>
-            <a:off x="20" y="10"/>
+            <a:off x="177302" y="-74635"/>
             <a:ext cx="12191980" cy="6857990"/>
           </a:xfrm>
           <a:prstGeom prst="rect">
@@ -6678,6 +6679,1073 @@
     <p:extLst>
       <p:ext uri="{BB962C8B-B14F-4D97-AF65-F5344CB8AC3E}">
         <p14:creationId xmlns:p14="http://schemas.microsoft.com/office/powerpoint/2010/main" val="1829239764"/>
+      </p:ext>
+    </p:extLst>
+  </p:cSld>
+  <p:clrMapOvr>
+    <a:masterClrMapping/>
+  </p:clrMapOvr>
+</p:sld>
+</file>
+
+<file path=ppt/slides/slide7.xml><?xml version="1.0" encoding="utf-8"?>
+<p:sld xmlns:a="http://schemas.openxmlformats.org/drawingml/2006/main" xmlns:r="http://schemas.openxmlformats.org/officeDocument/2006/relationships" xmlns:p="http://schemas.openxmlformats.org/presentationml/2006/main">
+  <p:cSld>
+    <p:spTree>
+      <p:nvGrpSpPr>
+        <p:cNvPr id="1" name=""/>
+        <p:cNvGrpSpPr/>
+        <p:nvPr/>
+      </p:nvGrpSpPr>
+      <p:grpSpPr>
+        <a:xfrm>
+          <a:off x="0" y="0"/>
+          <a:ext cx="0" cy="0"/>
+          <a:chOff x="0" y="0"/>
+          <a:chExt cx="0" cy="0"/>
+        </a:xfrm>
+      </p:grpSpPr>
+      <p:grpSp>
+        <p:nvGrpSpPr>
+          <p:cNvPr id="54" name="Group 53">
+            <a:extLst>
+              <a:ext uri="{FF2B5EF4-FFF2-40B4-BE49-F238E27FC236}">
+                <a16:creationId xmlns:a16="http://schemas.microsoft.com/office/drawing/2014/main" id="{5173B39B-53B1-406D-66D3-E2B8FF71C2C2}"/>
+              </a:ext>
+            </a:extLst>
+          </p:cNvPr>
+          <p:cNvGrpSpPr/>
+          <p:nvPr/>
+        </p:nvGrpSpPr>
+        <p:grpSpPr>
+          <a:xfrm>
+            <a:off x="964637" y="225589"/>
+            <a:ext cx="5238130" cy="2417010"/>
+            <a:chOff x="907656" y="523300"/>
+            <a:chExt cx="5238130" cy="2417010"/>
+          </a:xfrm>
+        </p:grpSpPr>
+        <p:grpSp>
+          <p:nvGrpSpPr>
+            <p:cNvPr id="4" name="Group 3">
+              <a:extLst>
+                <a:ext uri="{FF2B5EF4-FFF2-40B4-BE49-F238E27FC236}">
+                  <a16:creationId xmlns:a16="http://schemas.microsoft.com/office/drawing/2014/main" id="{D13B928C-4947-C91C-A14C-8F3084C8AE74}"/>
+                </a:ext>
+              </a:extLst>
+            </p:cNvPr>
+            <p:cNvGrpSpPr/>
+            <p:nvPr/>
+          </p:nvGrpSpPr>
+          <p:grpSpPr>
+            <a:xfrm>
+              <a:off x="1196067" y="523300"/>
+              <a:ext cx="4871328" cy="2417010"/>
+              <a:chOff x="1581872" y="676168"/>
+              <a:chExt cx="5339252" cy="3221148"/>
+            </a:xfrm>
+          </p:grpSpPr>
+          <p:sp>
+            <p:nvSpPr>
+              <p:cNvPr id="5" name="Title 1">
+                <a:extLst>
+                  <a:ext uri="{FF2B5EF4-FFF2-40B4-BE49-F238E27FC236}">
+                    <a16:creationId xmlns:a16="http://schemas.microsoft.com/office/drawing/2014/main" id="{DCC63B67-BCAF-90CE-D6F5-3D24B086027E}"/>
+                  </a:ext>
+                </a:extLst>
+              </p:cNvPr>
+              <p:cNvSpPr txBox="1">
+                <a:spLocks/>
+              </p:cNvSpPr>
+              <p:nvPr/>
+            </p:nvSpPr>
+            <p:spPr>
+              <a:xfrm>
+                <a:off x="2684685" y="1730376"/>
+                <a:ext cx="2076450" cy="2166940"/>
+              </a:xfrm>
+              <a:prstGeom prst="rect">
+                <a:avLst/>
+              </a:prstGeom>
+            </p:spPr>
+            <p:txBody>
+              <a:bodyPr vert="horz" lIns="91440" tIns="45720" rIns="91440" bIns="45720" rtlCol="0" anchor="b">
+                <a:noAutofit/>
+              </a:bodyPr>
+              <a:lstStyle>
+                <a:lvl1pPr algn="ctr" defTabSz="914400" rtl="0" eaLnBrk="1" latinLnBrk="0" hangingPunct="1">
+                  <a:lnSpc>
+                    <a:spcPct val="90000"/>
+                  </a:lnSpc>
+                  <a:spcBef>
+                    <a:spcPct val="0"/>
+                  </a:spcBef>
+                  <a:buNone/>
+                  <a:defRPr sz="6000" kern="1200">
+                    <a:solidFill>
+                      <a:schemeClr val="tx1"/>
+                    </a:solidFill>
+                    <a:latin typeface="+mj-lt"/>
+                    <a:ea typeface="+mj-ea"/>
+                    <a:cs typeface="+mj-cs"/>
+                  </a:defRPr>
+                </a:lvl1pPr>
+              </a:lstStyle>
+              <a:p>
+                <a:r>
+                  <a:rPr lang="en-US" sz="12000" b="1" dirty="0">
+                    <a:solidFill>
+                      <a:schemeClr val="accent2">
+                        <a:lumMod val="50000"/>
+                      </a:schemeClr>
+                    </a:solidFill>
+                    <a:latin typeface="Lucida Bright" panose="020B0604020202020204" pitchFamily="18" charset="0"/>
+                  </a:rPr>
+                  <a:t>M</a:t>
+                </a:r>
+              </a:p>
+            </p:txBody>
+          </p:sp>
+          <p:sp>
+            <p:nvSpPr>
+              <p:cNvPr id="6" name="Title 1">
+                <a:extLst>
+                  <a:ext uri="{FF2B5EF4-FFF2-40B4-BE49-F238E27FC236}">
+                    <a16:creationId xmlns:a16="http://schemas.microsoft.com/office/drawing/2014/main" id="{E532DA1D-F922-8A51-216E-632582216D60}"/>
+                  </a:ext>
+                </a:extLst>
+              </p:cNvPr>
+              <p:cNvSpPr txBox="1">
+                <a:spLocks/>
+              </p:cNvSpPr>
+              <p:nvPr/>
+            </p:nvSpPr>
+            <p:spPr>
+              <a:xfrm>
+                <a:off x="3872783" y="676168"/>
+                <a:ext cx="2076450" cy="1846353"/>
+              </a:xfrm>
+              <a:prstGeom prst="rect">
+                <a:avLst/>
+              </a:prstGeom>
+            </p:spPr>
+            <p:txBody>
+              <a:bodyPr vert="horz" lIns="91440" tIns="45720" rIns="91440" bIns="45720" rtlCol="0" anchor="b">
+                <a:noAutofit/>
+              </a:bodyPr>
+              <a:lstStyle>
+                <a:lvl1pPr algn="ctr" defTabSz="914400" rtl="0" eaLnBrk="1" latinLnBrk="0" hangingPunct="1">
+                  <a:lnSpc>
+                    <a:spcPct val="90000"/>
+                  </a:lnSpc>
+                  <a:spcBef>
+                    <a:spcPct val="0"/>
+                  </a:spcBef>
+                  <a:buNone/>
+                  <a:defRPr sz="6000" kern="1200">
+                    <a:solidFill>
+                      <a:schemeClr val="tx1"/>
+                    </a:solidFill>
+                    <a:latin typeface="+mj-lt"/>
+                    <a:ea typeface="+mj-ea"/>
+                    <a:cs typeface="+mj-cs"/>
+                  </a:defRPr>
+                </a:lvl1pPr>
+              </a:lstStyle>
+              <a:p>
+                <a:r>
+                  <a:rPr lang="en-US" sz="12000" b="1" dirty="0">
+                    <a:solidFill>
+                      <a:schemeClr val="accent1">
+                        <a:lumMod val="50000"/>
+                      </a:schemeClr>
+                    </a:solidFill>
+                    <a:latin typeface="Lucida Bright" panose="020B0604020202020204" pitchFamily="18" charset="0"/>
+                  </a:rPr>
+                  <a:t>L</a:t>
+                </a:r>
+              </a:p>
+            </p:txBody>
+          </p:sp>
+          <p:sp>
+            <p:nvSpPr>
+              <p:cNvPr id="7" name="Title 1">
+                <a:extLst>
+                  <a:ext uri="{FF2B5EF4-FFF2-40B4-BE49-F238E27FC236}">
+                    <a16:creationId xmlns:a16="http://schemas.microsoft.com/office/drawing/2014/main" id="{33D834CA-F1A0-E142-6E5D-38B6C6977FF8}"/>
+                  </a:ext>
+                </a:extLst>
+              </p:cNvPr>
+              <p:cNvSpPr txBox="1">
+                <a:spLocks/>
+              </p:cNvSpPr>
+              <p:nvPr/>
+            </p:nvSpPr>
+            <p:spPr>
+              <a:xfrm>
+                <a:off x="4844676" y="1729125"/>
+                <a:ext cx="2076448" cy="2166937"/>
+              </a:xfrm>
+              <a:prstGeom prst="rect">
+                <a:avLst/>
+              </a:prstGeom>
+            </p:spPr>
+            <p:txBody>
+              <a:bodyPr vert="horz" lIns="91440" tIns="45720" rIns="91440" bIns="45720" rtlCol="0" anchor="b">
+                <a:noAutofit/>
+              </a:bodyPr>
+              <a:lstStyle>
+                <a:lvl1pPr algn="ctr" defTabSz="914400" rtl="0" eaLnBrk="1" latinLnBrk="0" hangingPunct="1">
+                  <a:lnSpc>
+                    <a:spcPct val="90000"/>
+                  </a:lnSpc>
+                  <a:spcBef>
+                    <a:spcPct val="0"/>
+                  </a:spcBef>
+                  <a:buNone/>
+                  <a:defRPr sz="6000" kern="1200">
+                    <a:solidFill>
+                      <a:schemeClr val="tx1"/>
+                    </a:solidFill>
+                    <a:latin typeface="+mj-lt"/>
+                    <a:ea typeface="+mj-ea"/>
+                    <a:cs typeface="+mj-cs"/>
+                  </a:defRPr>
+                </a:lvl1pPr>
+              </a:lstStyle>
+              <a:p>
+                <a:r>
+                  <a:rPr lang="en-US" sz="12000" b="1" dirty="0">
+                    <a:solidFill>
+                      <a:schemeClr val="accent6">
+                        <a:lumMod val="50000"/>
+                      </a:schemeClr>
+                    </a:solidFill>
+                    <a:latin typeface="Lucida Bright" panose="020B0604020202020204" pitchFamily="18" charset="0"/>
+                  </a:rPr>
+                  <a:t>P</a:t>
+                </a:r>
+              </a:p>
+            </p:txBody>
+          </p:sp>
+          <p:sp>
+            <p:nvSpPr>
+              <p:cNvPr id="8" name="Title 1">
+                <a:extLst>
+                  <a:ext uri="{FF2B5EF4-FFF2-40B4-BE49-F238E27FC236}">
+                    <a16:creationId xmlns:a16="http://schemas.microsoft.com/office/drawing/2014/main" id="{D3DAE2CE-D138-CA9D-3568-FC378BF51152}"/>
+                  </a:ext>
+                </a:extLst>
+              </p:cNvPr>
+              <p:cNvSpPr txBox="1">
+                <a:spLocks/>
+              </p:cNvSpPr>
+              <p:nvPr/>
+            </p:nvSpPr>
+            <p:spPr>
+              <a:xfrm>
+                <a:off x="1581872" y="751601"/>
+                <a:ext cx="1637118" cy="2322362"/>
+              </a:xfrm>
+              <a:prstGeom prst="rect">
+                <a:avLst/>
+              </a:prstGeom>
+            </p:spPr>
+            <p:txBody>
+              <a:bodyPr vert="horz" lIns="91440" tIns="45720" rIns="91440" bIns="45720" rtlCol="0" anchor="b">
+                <a:noAutofit/>
+              </a:bodyPr>
+              <a:lstStyle>
+                <a:lvl1pPr algn="ctr" defTabSz="914400" rtl="0" eaLnBrk="1" latinLnBrk="0" hangingPunct="1">
+                  <a:lnSpc>
+                    <a:spcPct val="90000"/>
+                  </a:lnSpc>
+                  <a:spcBef>
+                    <a:spcPct val="0"/>
+                  </a:spcBef>
+                  <a:buNone/>
+                  <a:defRPr sz="6000" kern="1200">
+                    <a:solidFill>
+                      <a:schemeClr val="tx1"/>
+                    </a:solidFill>
+                    <a:latin typeface="+mj-lt"/>
+                    <a:ea typeface="+mj-ea"/>
+                    <a:cs typeface="+mj-cs"/>
+                  </a:defRPr>
+                </a:lvl1pPr>
+              </a:lstStyle>
+              <a:p>
+                <a:r>
+                  <a:rPr lang="en-US" sz="12000" b="1" dirty="0">
+                    <a:solidFill>
+                      <a:srgbClr val="FF0000"/>
+                    </a:solidFill>
+                    <a:latin typeface="Lucida Bright" panose="020B0604020202020204" pitchFamily="18" charset="0"/>
+                  </a:rPr>
+                  <a:t>G</a:t>
+                </a:r>
+              </a:p>
+            </p:txBody>
+          </p:sp>
+        </p:grpSp>
+        <p:grpSp>
+          <p:nvGrpSpPr>
+            <p:cNvPr id="45" name="Group 44">
+              <a:extLst>
+                <a:ext uri="{FF2B5EF4-FFF2-40B4-BE49-F238E27FC236}">
+                  <a16:creationId xmlns:a16="http://schemas.microsoft.com/office/drawing/2014/main" id="{ABB3CC23-F2F8-DE8F-2531-6C10E11B34F9}"/>
+                </a:ext>
+              </a:extLst>
+            </p:cNvPr>
+            <p:cNvGrpSpPr/>
+            <p:nvPr/>
+          </p:nvGrpSpPr>
+          <p:grpSpPr>
+            <a:xfrm>
+              <a:off x="907656" y="579902"/>
+              <a:ext cx="5238130" cy="2360408"/>
+              <a:chOff x="1333413" y="861011"/>
+              <a:chExt cx="5238130" cy="2360408"/>
+            </a:xfrm>
+          </p:grpSpPr>
+          <p:cxnSp>
+            <p:nvCxnSpPr>
+              <p:cNvPr id="46" name="Straight Connector 45">
+                <a:extLst>
+                  <a:ext uri="{FF2B5EF4-FFF2-40B4-BE49-F238E27FC236}">
+                    <a16:creationId xmlns:a16="http://schemas.microsoft.com/office/drawing/2014/main" id="{B71DD454-E52C-87F4-C606-F0759DC73BC8}"/>
+                  </a:ext>
+                </a:extLst>
+              </p:cNvPr>
+              <p:cNvCxnSpPr/>
+              <p:nvPr/>
+            </p:nvCxnSpPr>
+            <p:spPr>
+              <a:xfrm>
+                <a:off x="1333413" y="867395"/>
+                <a:ext cx="0" cy="2354024"/>
+              </a:xfrm>
+              <a:prstGeom prst="line">
+                <a:avLst/>
+              </a:prstGeom>
+              <a:ln w="69850">
+                <a:solidFill>
+                  <a:schemeClr val="tx1"/>
+                </a:solidFill>
+              </a:ln>
+            </p:spPr>
+            <p:style>
+              <a:lnRef idx="1">
+                <a:schemeClr val="accent1"/>
+              </a:lnRef>
+              <a:fillRef idx="0">
+                <a:schemeClr val="accent1"/>
+              </a:fillRef>
+              <a:effectRef idx="0">
+                <a:schemeClr val="accent1"/>
+              </a:effectRef>
+              <a:fontRef idx="minor">
+                <a:schemeClr val="tx1"/>
+              </a:fontRef>
+            </p:style>
+          </p:cxnSp>
+          <p:cxnSp>
+            <p:nvCxnSpPr>
+              <p:cNvPr id="47" name="Straight Connector 46">
+                <a:extLst>
+                  <a:ext uri="{FF2B5EF4-FFF2-40B4-BE49-F238E27FC236}">
+                    <a16:creationId xmlns:a16="http://schemas.microsoft.com/office/drawing/2014/main" id="{41F4984F-5363-04BE-3565-FDD54D9A73AD}"/>
+                  </a:ext>
+                </a:extLst>
+              </p:cNvPr>
+              <p:cNvCxnSpPr/>
+              <p:nvPr/>
+            </p:nvCxnSpPr>
+            <p:spPr>
+              <a:xfrm>
+                <a:off x="6571543" y="861011"/>
+                <a:ext cx="0" cy="2354024"/>
+              </a:xfrm>
+              <a:prstGeom prst="line">
+                <a:avLst/>
+              </a:prstGeom>
+              <a:ln w="69850">
+                <a:solidFill>
+                  <a:schemeClr val="tx1"/>
+                </a:solidFill>
+              </a:ln>
+            </p:spPr>
+            <p:style>
+              <a:lnRef idx="1">
+                <a:schemeClr val="accent1"/>
+              </a:lnRef>
+              <a:fillRef idx="0">
+                <a:schemeClr val="accent1"/>
+              </a:fillRef>
+              <a:effectRef idx="0">
+                <a:schemeClr val="accent1"/>
+              </a:effectRef>
+              <a:fontRef idx="minor">
+                <a:schemeClr val="tx1"/>
+              </a:fontRef>
+            </p:style>
+          </p:cxnSp>
+        </p:grpSp>
+      </p:grpSp>
+      <p:grpSp>
+        <p:nvGrpSpPr>
+          <p:cNvPr id="55" name="Group 54">
+            <a:extLst>
+              <a:ext uri="{FF2B5EF4-FFF2-40B4-BE49-F238E27FC236}">
+                <a16:creationId xmlns:a16="http://schemas.microsoft.com/office/drawing/2014/main" id="{15F5529C-C7F3-451E-122C-087F25B8C10A}"/>
+              </a:ext>
+            </a:extLst>
+          </p:cNvPr>
+          <p:cNvGrpSpPr/>
+          <p:nvPr/>
+        </p:nvGrpSpPr>
+        <p:grpSpPr>
+          <a:xfrm>
+            <a:off x="907654" y="3518343"/>
+            <a:ext cx="5238130" cy="2360408"/>
+            <a:chOff x="907654" y="3518343"/>
+            <a:chExt cx="5238130" cy="2360408"/>
+          </a:xfrm>
+        </p:grpSpPr>
+        <p:grpSp>
+          <p:nvGrpSpPr>
+            <p:cNvPr id="13" name="Group 12">
+              <a:extLst>
+                <a:ext uri="{FF2B5EF4-FFF2-40B4-BE49-F238E27FC236}">
+                  <a16:creationId xmlns:a16="http://schemas.microsoft.com/office/drawing/2014/main" id="{83F5EDA6-B552-1E10-3A04-FC036958C4E2}"/>
+                </a:ext>
+              </a:extLst>
+            </p:cNvPr>
+            <p:cNvGrpSpPr/>
+            <p:nvPr/>
+          </p:nvGrpSpPr>
+          <p:grpSpPr>
+            <a:xfrm>
+              <a:off x="1051234" y="3864883"/>
+              <a:ext cx="5040820" cy="1636217"/>
+              <a:chOff x="758482" y="1145191"/>
+              <a:chExt cx="5577137" cy="2180583"/>
+            </a:xfrm>
+          </p:grpSpPr>
+          <p:sp>
+            <p:nvSpPr>
+              <p:cNvPr id="14" name="Title 1">
+                <a:extLst>
+                  <a:ext uri="{FF2B5EF4-FFF2-40B4-BE49-F238E27FC236}">
+                    <a16:creationId xmlns:a16="http://schemas.microsoft.com/office/drawing/2014/main" id="{623BF71B-155A-206F-4E56-CDC4E54518D2}"/>
+                  </a:ext>
+                </a:extLst>
+              </p:cNvPr>
+              <p:cNvSpPr txBox="1">
+                <a:spLocks/>
+              </p:cNvSpPr>
+              <p:nvPr/>
+            </p:nvSpPr>
+            <p:spPr>
+              <a:xfrm>
+                <a:off x="2491849" y="1152014"/>
+                <a:ext cx="2076450" cy="2166937"/>
+              </a:xfrm>
+              <a:prstGeom prst="rect">
+                <a:avLst/>
+              </a:prstGeom>
+            </p:spPr>
+            <p:txBody>
+              <a:bodyPr vert="horz" lIns="91440" tIns="45720" rIns="91440" bIns="45720" rtlCol="0" anchor="b">
+                <a:noAutofit/>
+              </a:bodyPr>
+              <a:lstStyle>
+                <a:lvl1pPr algn="ctr" defTabSz="914400" rtl="0" eaLnBrk="1" latinLnBrk="0" hangingPunct="1">
+                  <a:lnSpc>
+                    <a:spcPct val="90000"/>
+                  </a:lnSpc>
+                  <a:spcBef>
+                    <a:spcPct val="0"/>
+                  </a:spcBef>
+                  <a:buNone/>
+                  <a:defRPr sz="6000" kern="1200">
+                    <a:solidFill>
+                      <a:schemeClr val="tx1"/>
+                    </a:solidFill>
+                    <a:latin typeface="+mj-lt"/>
+                    <a:ea typeface="+mj-ea"/>
+                    <a:cs typeface="+mj-cs"/>
+                  </a:defRPr>
+                </a:lvl1pPr>
+              </a:lstStyle>
+              <a:p>
+                <a:r>
+                  <a:rPr lang="en-US" sz="12000" b="1" dirty="0">
+                    <a:solidFill>
+                      <a:srgbClr val="C00000"/>
+                    </a:solidFill>
+                    <a:latin typeface="Lucida Bright" panose="020B0604020202020204" pitchFamily="18" charset="0"/>
+                  </a:rPr>
+                  <a:t>C</a:t>
+                </a:r>
+              </a:p>
+            </p:txBody>
+          </p:sp>
+          <p:sp>
+            <p:nvSpPr>
+              <p:cNvPr id="15" name="Title 1">
+                <a:extLst>
+                  <a:ext uri="{FF2B5EF4-FFF2-40B4-BE49-F238E27FC236}">
+                    <a16:creationId xmlns:a16="http://schemas.microsoft.com/office/drawing/2014/main" id="{FDDA3FE5-01A3-E56B-4CAC-674C1B5EB829}"/>
+                  </a:ext>
+                </a:extLst>
+              </p:cNvPr>
+              <p:cNvSpPr txBox="1">
+                <a:spLocks/>
+              </p:cNvSpPr>
+              <p:nvPr/>
+            </p:nvSpPr>
+            <p:spPr>
+              <a:xfrm>
+                <a:off x="4259169" y="1145191"/>
+                <a:ext cx="2076450" cy="2166938"/>
+              </a:xfrm>
+              <a:prstGeom prst="rect">
+                <a:avLst/>
+              </a:prstGeom>
+            </p:spPr>
+            <p:txBody>
+              <a:bodyPr vert="horz" lIns="91440" tIns="45720" rIns="91440" bIns="45720" rtlCol="0" anchor="b">
+                <a:noAutofit/>
+              </a:bodyPr>
+              <a:lstStyle>
+                <a:lvl1pPr algn="ctr" defTabSz="914400" rtl="0" eaLnBrk="1" latinLnBrk="0" hangingPunct="1">
+                  <a:lnSpc>
+                    <a:spcPct val="90000"/>
+                  </a:lnSpc>
+                  <a:spcBef>
+                    <a:spcPct val="0"/>
+                  </a:spcBef>
+                  <a:buNone/>
+                  <a:defRPr sz="6000" kern="1200">
+                    <a:solidFill>
+                      <a:schemeClr val="tx1"/>
+                    </a:solidFill>
+                    <a:latin typeface="+mj-lt"/>
+                    <a:ea typeface="+mj-ea"/>
+                    <a:cs typeface="+mj-cs"/>
+                  </a:defRPr>
+                </a:lvl1pPr>
+              </a:lstStyle>
+              <a:p>
+                <a:r>
+                  <a:rPr lang="en-US" sz="12000" b="1" dirty="0">
+                    <a:solidFill>
+                      <a:schemeClr val="accent1">
+                        <a:lumMod val="50000"/>
+                      </a:schemeClr>
+                    </a:solidFill>
+                    <a:latin typeface="Lucida Bright" panose="020B0604020202020204" pitchFamily="18" charset="0"/>
+                  </a:rPr>
+                  <a:t>C</a:t>
+                </a:r>
+              </a:p>
+            </p:txBody>
+          </p:sp>
+          <p:sp>
+            <p:nvSpPr>
+              <p:cNvPr id="16" name="Title 1">
+                <a:extLst>
+                  <a:ext uri="{FF2B5EF4-FFF2-40B4-BE49-F238E27FC236}">
+                    <a16:creationId xmlns:a16="http://schemas.microsoft.com/office/drawing/2014/main" id="{8004C16B-9038-E9FC-77FD-90F38B032951}"/>
+                  </a:ext>
+                </a:extLst>
+              </p:cNvPr>
+              <p:cNvSpPr txBox="1">
+                <a:spLocks/>
+              </p:cNvSpPr>
+              <p:nvPr/>
+            </p:nvSpPr>
+            <p:spPr>
+              <a:xfrm>
+                <a:off x="758482" y="1158837"/>
+                <a:ext cx="2076450" cy="2166937"/>
+              </a:xfrm>
+              <a:prstGeom prst="rect">
+                <a:avLst/>
+              </a:prstGeom>
+            </p:spPr>
+            <p:txBody>
+              <a:bodyPr vert="horz" lIns="91440" tIns="45720" rIns="91440" bIns="45720" rtlCol="0" anchor="b">
+                <a:noAutofit/>
+              </a:bodyPr>
+              <a:lstStyle>
+                <a:lvl1pPr algn="ctr" defTabSz="914400" rtl="0" eaLnBrk="1" latinLnBrk="0" hangingPunct="1">
+                  <a:lnSpc>
+                    <a:spcPct val="90000"/>
+                  </a:lnSpc>
+                  <a:spcBef>
+                    <a:spcPct val="0"/>
+                  </a:spcBef>
+                  <a:buNone/>
+                  <a:defRPr sz="6000" kern="1200">
+                    <a:solidFill>
+                      <a:schemeClr val="tx1"/>
+                    </a:solidFill>
+                    <a:latin typeface="+mj-lt"/>
+                    <a:ea typeface="+mj-ea"/>
+                    <a:cs typeface="+mj-cs"/>
+                  </a:defRPr>
+                </a:lvl1pPr>
+              </a:lstStyle>
+              <a:p>
+                <a:r>
+                  <a:rPr lang="en-US" sz="12000" b="1" dirty="0">
+                    <a:solidFill>
+                      <a:srgbClr val="0070C0"/>
+                    </a:solidFill>
+                    <a:latin typeface="Lucida Bright" panose="020B0604020202020204" pitchFamily="18" charset="0"/>
+                  </a:rPr>
+                  <a:t>T</a:t>
+                </a:r>
+              </a:p>
+            </p:txBody>
+          </p:sp>
+        </p:grpSp>
+        <p:grpSp>
+          <p:nvGrpSpPr>
+            <p:cNvPr id="48" name="Group 47">
+              <a:extLst>
+                <a:ext uri="{FF2B5EF4-FFF2-40B4-BE49-F238E27FC236}">
+                  <a16:creationId xmlns:a16="http://schemas.microsoft.com/office/drawing/2014/main" id="{11EC5F60-F3AD-7E8A-E7D7-17F5FC51A879}"/>
+                </a:ext>
+              </a:extLst>
+            </p:cNvPr>
+            <p:cNvGrpSpPr/>
+            <p:nvPr/>
+          </p:nvGrpSpPr>
+          <p:grpSpPr>
+            <a:xfrm>
+              <a:off x="907654" y="3518343"/>
+              <a:ext cx="5238130" cy="2360408"/>
+              <a:chOff x="1333413" y="861011"/>
+              <a:chExt cx="5238130" cy="2360408"/>
+            </a:xfrm>
+          </p:grpSpPr>
+          <p:cxnSp>
+            <p:nvCxnSpPr>
+              <p:cNvPr id="49" name="Straight Connector 48">
+                <a:extLst>
+                  <a:ext uri="{FF2B5EF4-FFF2-40B4-BE49-F238E27FC236}">
+                    <a16:creationId xmlns:a16="http://schemas.microsoft.com/office/drawing/2014/main" id="{F84D5C69-F4E3-278D-4439-69FBD1C77135}"/>
+                  </a:ext>
+                </a:extLst>
+              </p:cNvPr>
+              <p:cNvCxnSpPr/>
+              <p:nvPr/>
+            </p:nvCxnSpPr>
+            <p:spPr>
+              <a:xfrm>
+                <a:off x="1333413" y="867395"/>
+                <a:ext cx="0" cy="2354024"/>
+              </a:xfrm>
+              <a:prstGeom prst="line">
+                <a:avLst/>
+              </a:prstGeom>
+              <a:ln w="69850">
+                <a:solidFill>
+                  <a:schemeClr val="tx1"/>
+                </a:solidFill>
+              </a:ln>
+            </p:spPr>
+            <p:style>
+              <a:lnRef idx="1">
+                <a:schemeClr val="accent1"/>
+              </a:lnRef>
+              <a:fillRef idx="0">
+                <a:schemeClr val="accent1"/>
+              </a:fillRef>
+              <a:effectRef idx="0">
+                <a:schemeClr val="accent1"/>
+              </a:effectRef>
+              <a:fontRef idx="minor">
+                <a:schemeClr val="tx1"/>
+              </a:fontRef>
+            </p:style>
+          </p:cxnSp>
+          <p:cxnSp>
+            <p:nvCxnSpPr>
+              <p:cNvPr id="50" name="Straight Connector 49">
+                <a:extLst>
+                  <a:ext uri="{FF2B5EF4-FFF2-40B4-BE49-F238E27FC236}">
+                    <a16:creationId xmlns:a16="http://schemas.microsoft.com/office/drawing/2014/main" id="{CBA8C46C-A43C-7F6C-86BD-CB0C26DB207C}"/>
+                  </a:ext>
+                </a:extLst>
+              </p:cNvPr>
+              <p:cNvCxnSpPr/>
+              <p:nvPr/>
+            </p:nvCxnSpPr>
+            <p:spPr>
+              <a:xfrm>
+                <a:off x="6571543" y="861011"/>
+                <a:ext cx="0" cy="2354024"/>
+              </a:xfrm>
+              <a:prstGeom prst="line">
+                <a:avLst/>
+              </a:prstGeom>
+              <a:ln w="69850">
+                <a:solidFill>
+                  <a:schemeClr val="tx1"/>
+                </a:solidFill>
+              </a:ln>
+            </p:spPr>
+            <p:style>
+              <a:lnRef idx="1">
+                <a:schemeClr val="accent1"/>
+              </a:lnRef>
+              <a:fillRef idx="0">
+                <a:schemeClr val="accent1"/>
+              </a:fillRef>
+              <a:effectRef idx="0">
+                <a:schemeClr val="accent1"/>
+              </a:effectRef>
+              <a:fontRef idx="minor">
+                <a:schemeClr val="tx1"/>
+              </a:fontRef>
+            </p:style>
+          </p:cxnSp>
+        </p:grpSp>
+      </p:grpSp>
+      <p:grpSp>
+        <p:nvGrpSpPr>
+          <p:cNvPr id="56" name="Group 55">
+            <a:extLst>
+              <a:ext uri="{FF2B5EF4-FFF2-40B4-BE49-F238E27FC236}">
+                <a16:creationId xmlns:a16="http://schemas.microsoft.com/office/drawing/2014/main" id="{742E221C-19F9-7778-64C2-16BAE3C61DA6}"/>
+              </a:ext>
+            </a:extLst>
+          </p:cNvPr>
+          <p:cNvGrpSpPr/>
+          <p:nvPr/>
+        </p:nvGrpSpPr>
+        <p:grpSpPr>
+          <a:xfrm>
+            <a:off x="6683454" y="2049572"/>
+            <a:ext cx="5238130" cy="2438964"/>
+            <a:chOff x="6683454" y="2049572"/>
+            <a:chExt cx="5238130" cy="2438964"/>
+          </a:xfrm>
+        </p:grpSpPr>
+        <p:grpSp>
+          <p:nvGrpSpPr>
+            <p:cNvPr id="9" name="Group 8">
+              <a:extLst>
+                <a:ext uri="{FF2B5EF4-FFF2-40B4-BE49-F238E27FC236}">
+                  <a16:creationId xmlns:a16="http://schemas.microsoft.com/office/drawing/2014/main" id="{E474097A-A1BF-0238-18E7-16E6C71C2B25}"/>
+                </a:ext>
+              </a:extLst>
+            </p:cNvPr>
+            <p:cNvGrpSpPr/>
+            <p:nvPr/>
+          </p:nvGrpSpPr>
+          <p:grpSpPr>
+            <a:xfrm>
+              <a:off x="7115709" y="2049572"/>
+              <a:ext cx="4596645" cy="2438964"/>
+              <a:chOff x="1815186" y="732429"/>
+              <a:chExt cx="5038185" cy="3250406"/>
+            </a:xfrm>
+          </p:grpSpPr>
+          <p:sp>
+            <p:nvSpPr>
+              <p:cNvPr id="10" name="Title 1">
+                <a:extLst>
+                  <a:ext uri="{FF2B5EF4-FFF2-40B4-BE49-F238E27FC236}">
+                    <a16:creationId xmlns:a16="http://schemas.microsoft.com/office/drawing/2014/main" id="{BA56C3EF-CC93-E40F-5F07-8A2ED1B5B122}"/>
+                  </a:ext>
+                </a:extLst>
+              </p:cNvPr>
+              <p:cNvSpPr txBox="1">
+                <a:spLocks/>
+              </p:cNvSpPr>
+              <p:nvPr/>
+            </p:nvSpPr>
+            <p:spPr>
+              <a:xfrm>
+                <a:off x="3501401" y="732429"/>
+                <a:ext cx="2076451" cy="2166937"/>
+              </a:xfrm>
+              <a:prstGeom prst="rect">
+                <a:avLst/>
+              </a:prstGeom>
+            </p:spPr>
+            <p:txBody>
+              <a:bodyPr vert="horz" lIns="91440" tIns="45720" rIns="91440" bIns="45720" rtlCol="0" anchor="b">
+                <a:noAutofit/>
+              </a:bodyPr>
+              <a:lstStyle>
+                <a:lvl1pPr algn="ctr" defTabSz="914400" rtl="0" eaLnBrk="1" latinLnBrk="0" hangingPunct="1">
+                  <a:lnSpc>
+                    <a:spcPct val="90000"/>
+                  </a:lnSpc>
+                  <a:spcBef>
+                    <a:spcPct val="0"/>
+                  </a:spcBef>
+                  <a:buNone/>
+                  <a:defRPr sz="6000" kern="1200">
+                    <a:solidFill>
+                      <a:schemeClr val="tx1"/>
+                    </a:solidFill>
+                    <a:latin typeface="+mj-lt"/>
+                    <a:ea typeface="+mj-ea"/>
+                    <a:cs typeface="+mj-cs"/>
+                  </a:defRPr>
+                </a:lvl1pPr>
+              </a:lstStyle>
+              <a:p>
+                <a:r>
+                  <a:rPr lang="en-US" sz="12000" b="1" dirty="0">
+                    <a:solidFill>
+                      <a:schemeClr val="accent4">
+                        <a:lumMod val="75000"/>
+                      </a:schemeClr>
+                    </a:solidFill>
+                    <a:latin typeface="Lucida Bright" panose="020B0604020202020204" pitchFamily="18" charset="0"/>
+                  </a:rPr>
+                  <a:t>D</a:t>
+                </a:r>
+              </a:p>
+            </p:txBody>
+          </p:sp>
+          <p:sp>
+            <p:nvSpPr>
+              <p:cNvPr id="11" name="Title 1">
+                <a:extLst>
+                  <a:ext uri="{FF2B5EF4-FFF2-40B4-BE49-F238E27FC236}">
+                    <a16:creationId xmlns:a16="http://schemas.microsoft.com/office/drawing/2014/main" id="{3B07B654-8384-E393-E1BF-23C36B296C1F}"/>
+                  </a:ext>
+                </a:extLst>
+              </p:cNvPr>
+              <p:cNvSpPr txBox="1">
+                <a:spLocks/>
+              </p:cNvSpPr>
+              <p:nvPr/>
+            </p:nvSpPr>
+            <p:spPr>
+              <a:xfrm>
+                <a:off x="4776920" y="1614897"/>
+                <a:ext cx="2076451" cy="2166939"/>
+              </a:xfrm>
+              <a:prstGeom prst="rect">
+                <a:avLst/>
+              </a:prstGeom>
+            </p:spPr>
+            <p:txBody>
+              <a:bodyPr vert="horz" lIns="91440" tIns="45720" rIns="91440" bIns="45720" rtlCol="0" anchor="b">
+                <a:noAutofit/>
+              </a:bodyPr>
+              <a:lstStyle>
+                <a:lvl1pPr algn="ctr" defTabSz="914400" rtl="0" eaLnBrk="1" latinLnBrk="0" hangingPunct="1">
+                  <a:lnSpc>
+                    <a:spcPct val="90000"/>
+                  </a:lnSpc>
+                  <a:spcBef>
+                    <a:spcPct val="0"/>
+                  </a:spcBef>
+                  <a:buNone/>
+                  <a:defRPr sz="6000" kern="1200">
+                    <a:solidFill>
+                      <a:schemeClr val="tx1"/>
+                    </a:solidFill>
+                    <a:latin typeface="+mj-lt"/>
+                    <a:ea typeface="+mj-ea"/>
+                    <a:cs typeface="+mj-cs"/>
+                  </a:defRPr>
+                </a:lvl1pPr>
+              </a:lstStyle>
+              <a:p>
+                <a:r>
+                  <a:rPr lang="en-US" sz="12000" b="1" dirty="0">
+                    <a:solidFill>
+                      <a:schemeClr val="accent1">
+                        <a:lumMod val="50000"/>
+                      </a:schemeClr>
+                    </a:solidFill>
+                    <a:latin typeface="Lucida Bright" panose="020B0604020202020204" pitchFamily="18" charset="0"/>
+                  </a:rPr>
+                  <a:t>S</a:t>
+                </a:r>
+              </a:p>
+            </p:txBody>
+          </p:sp>
+          <p:sp>
+            <p:nvSpPr>
+              <p:cNvPr id="12" name="Title 1">
+                <a:extLst>
+                  <a:ext uri="{FF2B5EF4-FFF2-40B4-BE49-F238E27FC236}">
+                    <a16:creationId xmlns:a16="http://schemas.microsoft.com/office/drawing/2014/main" id="{4F47B9D6-729A-BFE5-A459-C58F3E734623}"/>
+                  </a:ext>
+                </a:extLst>
+              </p:cNvPr>
+              <p:cNvSpPr txBox="1">
+                <a:spLocks/>
+              </p:cNvSpPr>
+              <p:nvPr/>
+            </p:nvSpPr>
+            <p:spPr>
+              <a:xfrm>
+                <a:off x="1815186" y="1815898"/>
+                <a:ext cx="2076449" cy="2166937"/>
+              </a:xfrm>
+              <a:prstGeom prst="rect">
+                <a:avLst/>
+              </a:prstGeom>
+            </p:spPr>
+            <p:txBody>
+              <a:bodyPr vert="horz" lIns="91440" tIns="45720" rIns="91440" bIns="45720" rtlCol="0" anchor="b">
+                <a:noAutofit/>
+              </a:bodyPr>
+              <a:lstStyle>
+                <a:lvl1pPr algn="ctr" defTabSz="914400" rtl="0" eaLnBrk="1" latinLnBrk="0" hangingPunct="1">
+                  <a:lnSpc>
+                    <a:spcPct val="90000"/>
+                  </a:lnSpc>
+                  <a:spcBef>
+                    <a:spcPct val="0"/>
+                  </a:spcBef>
+                  <a:buNone/>
+                  <a:defRPr sz="6000" kern="1200">
+                    <a:solidFill>
+                      <a:schemeClr val="tx1"/>
+                    </a:solidFill>
+                    <a:latin typeface="+mj-lt"/>
+                    <a:ea typeface="+mj-ea"/>
+                    <a:cs typeface="+mj-cs"/>
+                  </a:defRPr>
+                </a:lvl1pPr>
+              </a:lstStyle>
+              <a:p>
+                <a:r>
+                  <a:rPr lang="en-US" sz="12000" b="1" dirty="0">
+                    <a:solidFill>
+                      <a:srgbClr val="7030A0"/>
+                    </a:solidFill>
+                    <a:latin typeface="Lucida Bright" panose="020B0604020202020204" pitchFamily="18" charset="0"/>
+                  </a:rPr>
+                  <a:t>T</a:t>
+                </a:r>
+              </a:p>
+            </p:txBody>
+          </p:sp>
+        </p:grpSp>
+        <p:grpSp>
+          <p:nvGrpSpPr>
+            <p:cNvPr id="51" name="Group 50">
+              <a:extLst>
+                <a:ext uri="{FF2B5EF4-FFF2-40B4-BE49-F238E27FC236}">
+                  <a16:creationId xmlns:a16="http://schemas.microsoft.com/office/drawing/2014/main" id="{6A8A1A5D-7774-C23A-DF39-E29902DBCAAD}"/>
+                </a:ext>
+              </a:extLst>
+            </p:cNvPr>
+            <p:cNvGrpSpPr/>
+            <p:nvPr/>
+          </p:nvGrpSpPr>
+          <p:grpSpPr>
+            <a:xfrm>
+              <a:off x="6683454" y="2102935"/>
+              <a:ext cx="5238130" cy="2360408"/>
+              <a:chOff x="1333413" y="861011"/>
+              <a:chExt cx="5238130" cy="2360408"/>
+            </a:xfrm>
+          </p:grpSpPr>
+          <p:cxnSp>
+            <p:nvCxnSpPr>
+              <p:cNvPr id="52" name="Straight Connector 51">
+                <a:extLst>
+                  <a:ext uri="{FF2B5EF4-FFF2-40B4-BE49-F238E27FC236}">
+                    <a16:creationId xmlns:a16="http://schemas.microsoft.com/office/drawing/2014/main" id="{3969D2F1-021E-040C-1C6F-855E3574E05E}"/>
+                  </a:ext>
+                </a:extLst>
+              </p:cNvPr>
+              <p:cNvCxnSpPr/>
+              <p:nvPr/>
+            </p:nvCxnSpPr>
+            <p:spPr>
+              <a:xfrm>
+                <a:off x="1333413" y="867395"/>
+                <a:ext cx="0" cy="2354024"/>
+              </a:xfrm>
+              <a:prstGeom prst="line">
+                <a:avLst/>
+              </a:prstGeom>
+              <a:ln w="69850">
+                <a:solidFill>
+                  <a:schemeClr val="tx1"/>
+                </a:solidFill>
+              </a:ln>
+            </p:spPr>
+            <p:style>
+              <a:lnRef idx="1">
+                <a:schemeClr val="accent1"/>
+              </a:lnRef>
+              <a:fillRef idx="0">
+                <a:schemeClr val="accent1"/>
+              </a:fillRef>
+              <a:effectRef idx="0">
+                <a:schemeClr val="accent1"/>
+              </a:effectRef>
+              <a:fontRef idx="minor">
+                <a:schemeClr val="tx1"/>
+              </a:fontRef>
+            </p:style>
+          </p:cxnSp>
+          <p:cxnSp>
+            <p:nvCxnSpPr>
+              <p:cNvPr id="53" name="Straight Connector 52">
+                <a:extLst>
+                  <a:ext uri="{FF2B5EF4-FFF2-40B4-BE49-F238E27FC236}">
+                    <a16:creationId xmlns:a16="http://schemas.microsoft.com/office/drawing/2014/main" id="{FD5EC3D3-5618-25E3-2109-010FC402ED64}"/>
+                  </a:ext>
+                </a:extLst>
+              </p:cNvPr>
+              <p:cNvCxnSpPr/>
+              <p:nvPr/>
+            </p:nvCxnSpPr>
+            <p:spPr>
+              <a:xfrm>
+                <a:off x="6571543" y="861011"/>
+                <a:ext cx="0" cy="2354024"/>
+              </a:xfrm>
+              <a:prstGeom prst="line">
+                <a:avLst/>
+              </a:prstGeom>
+              <a:ln w="69850">
+                <a:solidFill>
+                  <a:schemeClr val="tx1"/>
+                </a:solidFill>
+              </a:ln>
+            </p:spPr>
+            <p:style>
+              <a:lnRef idx="1">
+                <a:schemeClr val="accent1"/>
+              </a:lnRef>
+              <a:fillRef idx="0">
+                <a:schemeClr val="accent1"/>
+              </a:fillRef>
+              <a:effectRef idx="0">
+                <a:schemeClr val="accent1"/>
+              </a:effectRef>
+              <a:fontRef idx="minor">
+                <a:schemeClr val="tx1"/>
+              </a:fontRef>
+            </p:style>
+          </p:cxnSp>
+        </p:grpSp>
+      </p:grpSp>
+    </p:spTree>
+    <p:extLst>
+      <p:ext uri="{BB962C8B-B14F-4D97-AF65-F5344CB8AC3E}">
+        <p14:creationId xmlns:p14="http://schemas.microsoft.com/office/powerpoint/2010/main" val="4074781222"/>
       </p:ext>
     </p:extLst>
   </p:cSld>

--- a/images/Presentation1.pptx
+++ b/images/Presentation1.pptx
@@ -4777,6 +4777,42 @@
           </a:p>
         </p:txBody>
       </p:sp>
+      <p:pic>
+        <p:nvPicPr>
+          <p:cNvPr id="4" name="Picture 3" descr="A person wearing glasses&#10;&#10;Description automatically generated with medium confidence">
+            <a:extLst>
+              <a:ext uri="{FF2B5EF4-FFF2-40B4-BE49-F238E27FC236}">
+                <a16:creationId xmlns:a16="http://schemas.microsoft.com/office/drawing/2014/main" id="{BB863BEF-BAC1-308A-A324-0FF3CF23A9E1}"/>
+              </a:ext>
+            </a:extLst>
+          </p:cNvPr>
+          <p:cNvPicPr>
+            <a:picLocks noChangeAspect="1"/>
+          </p:cNvPicPr>
+          <p:nvPr/>
+        </p:nvPicPr>
+        <p:blipFill>
+          <a:blip r:embed="rId2">
+            <a:extLst>
+              <a:ext uri="{28A0092B-C50C-407E-A947-70E740481C1C}">
+                <a14:useLocalDpi xmlns:a14="http://schemas.microsoft.com/office/drawing/2010/main" val="0"/>
+              </a:ext>
+            </a:extLst>
+          </a:blip>
+          <a:stretch>
+            <a:fillRect/>
+          </a:stretch>
+        </p:blipFill>
+        <p:spPr>
+          <a:xfrm flipH="1">
+            <a:off x="4102820" y="3832595"/>
+            <a:ext cx="469179" cy="469179"/>
+          </a:xfrm>
+          <a:prstGeom prst="ellipse">
+            <a:avLst/>
+          </a:prstGeom>
+        </p:spPr>
+      </p:pic>
     </p:spTree>
     <p:extLst>
       <p:ext uri="{BB962C8B-B14F-4D97-AF65-F5344CB8AC3E}">
@@ -6719,10 +6755,10 @@
         </p:nvGrpSpPr>
         <p:grpSpPr>
           <a:xfrm>
-            <a:off x="964637" y="225589"/>
-            <a:ext cx="5238130" cy="2417010"/>
-            <a:chOff x="907656" y="523300"/>
-            <a:chExt cx="5238130" cy="2417010"/>
+            <a:off x="443706" y="478824"/>
+            <a:ext cx="5355127" cy="2802988"/>
+            <a:chOff x="907656" y="579902"/>
+            <a:chExt cx="5355127" cy="2802988"/>
           </a:xfrm>
         </p:grpSpPr>
         <p:grpSp>
@@ -6739,10 +6775,10 @@
           </p:nvGrpSpPr>
           <p:grpSpPr>
             <a:xfrm>
-              <a:off x="1196067" y="523300"/>
-              <a:ext cx="4871328" cy="2417010"/>
-              <a:chOff x="1581872" y="676168"/>
-              <a:chExt cx="5339252" cy="3221148"/>
+              <a:off x="1155265" y="1037423"/>
+              <a:ext cx="5107518" cy="2345467"/>
+              <a:chOff x="1537151" y="1361339"/>
+              <a:chExt cx="5598129" cy="3125803"/>
             </a:xfrm>
           </p:grpSpPr>
           <p:sp>
@@ -6761,7 +6797,7 @@
             </p:nvSpPr>
             <p:spPr>
               <a:xfrm>
-                <a:off x="2684685" y="1730376"/>
+                <a:off x="2822897" y="2181629"/>
                 <a:ext cx="2076450" cy="2166940"/>
               </a:xfrm>
               <a:prstGeom prst="rect">
@@ -6793,7 +6829,7 @@
               </a:lstStyle>
               <a:p>
                 <a:r>
-                  <a:rPr lang="en-US" sz="12000" b="1" dirty="0">
+                  <a:rPr lang="en-US" sz="17500" b="1" dirty="0">
                     <a:solidFill>
                       <a:schemeClr val="accent2">
                         <a:lumMod val="50000"/>
@@ -6822,8 +6858,8 @@
             </p:nvSpPr>
             <p:spPr>
               <a:xfrm>
-                <a:off x="3872783" y="676168"/>
-                <a:ext cx="2076450" cy="1846353"/>
+                <a:off x="4448429" y="1576138"/>
+                <a:ext cx="2076450" cy="1846351"/>
               </a:xfrm>
               <a:prstGeom prst="rect">
                 <a:avLst/>
@@ -6854,7 +6890,7 @@
               </a:lstStyle>
               <a:p>
                 <a:r>
-                  <a:rPr lang="en-US" sz="12000" b="1" dirty="0">
+                  <a:rPr lang="en-US" sz="17500" b="1" dirty="0">
                     <a:solidFill>
                       <a:schemeClr val="accent1">
                         <a:lumMod val="50000"/>
@@ -6883,7 +6919,7 @@
             </p:nvSpPr>
             <p:spPr>
               <a:xfrm>
-                <a:off x="4844676" y="1729125"/>
+                <a:off x="5058832" y="2320205"/>
                 <a:ext cx="2076448" cy="2166937"/>
               </a:xfrm>
               <a:prstGeom prst="rect">
@@ -6915,7 +6951,7 @@
               </a:lstStyle>
               <a:p>
                 <a:r>
-                  <a:rPr lang="en-US" sz="12000" b="1" dirty="0">
+                  <a:rPr lang="en-US" sz="17500" b="1" dirty="0">
                     <a:solidFill>
                       <a:schemeClr val="accent6">
                         <a:lumMod val="50000"/>
@@ -6944,7 +6980,7 @@
             </p:nvSpPr>
             <p:spPr>
               <a:xfrm>
-                <a:off x="1581872" y="751601"/>
+                <a:off x="1537151" y="1361339"/>
                 <a:ext cx="1637118" cy="2322362"/>
               </a:xfrm>
               <a:prstGeom prst="rect">
@@ -6976,7 +7012,7 @@
               </a:lstStyle>
               <a:p>
                 <a:r>
-                  <a:rPr lang="en-US" sz="12000" b="1" dirty="0">
+                  <a:rPr lang="en-US" sz="17500" b="1" dirty="0">
                     <a:solidFill>
                       <a:srgbClr val="FF0000"/>
                     </a:solidFill>
@@ -7028,7 +7064,7 @@
               <a:prstGeom prst="line">
                 <a:avLst/>
               </a:prstGeom>
-              <a:ln w="69850">
+              <a:ln w="254000">
                 <a:solidFill>
                   <a:schemeClr val="tx1"/>
                 </a:solidFill>
@@ -7069,7 +7105,7 @@
               <a:prstGeom prst="line">
                 <a:avLst/>
               </a:prstGeom>
-              <a:ln w="69850">
+              <a:ln w="254000">
                 <a:solidFill>
                   <a:schemeClr val="tx1"/>
                 </a:solidFill>
@@ -7106,10 +7142,10 @@
         </p:nvGrpSpPr>
         <p:grpSpPr>
           <a:xfrm>
-            <a:off x="907654" y="3518343"/>
-            <a:ext cx="5238130" cy="2360408"/>
-            <a:chOff x="907654" y="3518343"/>
-            <a:chExt cx="5238130" cy="2360408"/>
+            <a:off x="6334894" y="1731294"/>
+            <a:ext cx="5233050" cy="2643124"/>
+            <a:chOff x="912734" y="3518343"/>
+            <a:chExt cx="5233050" cy="2643124"/>
           </a:xfrm>
         </p:grpSpPr>
         <p:grpSp>
@@ -7126,10 +7162,10 @@
           </p:nvGrpSpPr>
           <p:grpSpPr>
             <a:xfrm>
-              <a:off x="1051234" y="3864883"/>
-              <a:ext cx="5040820" cy="1636217"/>
-              <a:chOff x="758482" y="1145191"/>
-              <a:chExt cx="5577137" cy="2180583"/>
+              <a:off x="1279602" y="4191648"/>
+              <a:ext cx="4425152" cy="1969819"/>
+              <a:chOff x="1011148" y="1580658"/>
+              <a:chExt cx="4895965" cy="2625173"/>
             </a:xfrm>
           </p:grpSpPr>
           <p:sp>
@@ -7148,8 +7184,8 @@
             </p:nvSpPr>
             <p:spPr>
               <a:xfrm>
-                <a:off x="2491849" y="1152014"/>
-                <a:ext cx="2076450" cy="2166937"/>
+                <a:off x="2320624" y="1587481"/>
+                <a:ext cx="2076451" cy="2611528"/>
               </a:xfrm>
               <a:prstGeom prst="rect">
                 <a:avLst/>
@@ -7180,7 +7216,7 @@
               </a:lstStyle>
               <a:p>
                 <a:r>
-                  <a:rPr lang="en-US" sz="12000" b="1" dirty="0">
+                  <a:rPr lang="en-US" sz="18000" b="1" dirty="0">
                     <a:solidFill>
                       <a:srgbClr val="C00000"/>
                     </a:solidFill>
@@ -7207,8 +7243,8 @@
             </p:nvSpPr>
             <p:spPr>
               <a:xfrm>
-                <a:off x="4259169" y="1145191"/>
-                <a:ext cx="2076450" cy="2166938"/>
+                <a:off x="4087946" y="1580658"/>
+                <a:ext cx="1819167" cy="2611528"/>
               </a:xfrm>
               <a:prstGeom prst="rect">
                 <a:avLst/>
@@ -7239,7 +7275,7 @@
               </a:lstStyle>
               <a:p>
                 <a:r>
-                  <a:rPr lang="en-US" sz="12000" b="1" dirty="0">
+                  <a:rPr lang="en-US" sz="18000" b="1" dirty="0">
                     <a:solidFill>
                       <a:schemeClr val="accent1">
                         <a:lumMod val="50000"/>
@@ -7268,8 +7304,8 @@
             </p:nvSpPr>
             <p:spPr>
               <a:xfrm>
-                <a:off x="758482" y="1158837"/>
-                <a:ext cx="2076450" cy="2166937"/>
+                <a:off x="1011148" y="1594303"/>
+                <a:ext cx="1652559" cy="2611528"/>
               </a:xfrm>
               <a:prstGeom prst="rect">
                 <a:avLst/>
@@ -7300,7 +7336,7 @@
               </a:lstStyle>
               <a:p>
                 <a:r>
-                  <a:rPr lang="en-US" sz="12000" b="1" dirty="0">
+                  <a:rPr lang="en-US" sz="18000" b="1" dirty="0">
                     <a:solidFill>
                       <a:srgbClr val="0070C0"/>
                     </a:solidFill>
@@ -7326,10 +7362,10 @@
           </p:nvGrpSpPr>
           <p:grpSpPr>
             <a:xfrm>
-              <a:off x="907654" y="3518343"/>
-              <a:ext cx="5238130" cy="2360408"/>
-              <a:chOff x="1333413" y="861011"/>
-              <a:chExt cx="5238130" cy="2360408"/>
+              <a:off x="912734" y="3518343"/>
+              <a:ext cx="5233050" cy="2360408"/>
+              <a:chOff x="1338493" y="861011"/>
+              <a:chExt cx="5233050" cy="2360408"/>
             </a:xfrm>
           </p:grpSpPr>
           <p:cxnSp>
@@ -7346,13 +7382,13 @@
             </p:nvCxnSpPr>
             <p:spPr>
               <a:xfrm>
-                <a:off x="1333413" y="867395"/>
+                <a:off x="1338493" y="867395"/>
                 <a:ext cx="0" cy="2354024"/>
               </a:xfrm>
               <a:prstGeom prst="line">
                 <a:avLst/>
               </a:prstGeom>
-              <a:ln w="69850">
+              <a:ln w="254000">
                 <a:solidFill>
                   <a:schemeClr val="tx1"/>
                 </a:solidFill>
@@ -7393,7 +7429,7 @@
               <a:prstGeom prst="line">
                 <a:avLst/>
               </a:prstGeom>
-              <a:ln w="69850">
+              <a:ln w="254000">
                 <a:solidFill>
                   <a:schemeClr val="tx1"/>
                 </a:solidFill>
@@ -7430,10 +7466,10 @@
         </p:nvGrpSpPr>
         <p:grpSpPr>
           <a:xfrm>
-            <a:off x="6683454" y="2049572"/>
-            <a:ext cx="5238130" cy="2438964"/>
-            <a:chOff x="6683454" y="2049572"/>
-            <a:chExt cx="5238130" cy="2438964"/>
+            <a:off x="565783" y="3736148"/>
+            <a:ext cx="5233050" cy="2647619"/>
+            <a:chOff x="6688534" y="2102935"/>
+            <a:chExt cx="5233050" cy="2647619"/>
           </a:xfrm>
         </p:grpSpPr>
         <p:grpSp>
@@ -7450,10 +7486,10 @@
           </p:nvGrpSpPr>
           <p:grpSpPr>
             <a:xfrm>
-              <a:off x="7115709" y="2049572"/>
-              <a:ext cx="4596645" cy="2438964"/>
-              <a:chOff x="1815186" y="732429"/>
-              <a:chExt cx="5038185" cy="3250406"/>
+              <a:off x="6948796" y="2837368"/>
+              <a:ext cx="4861206" cy="1913186"/>
+              <a:chOff x="1632240" y="1782323"/>
+              <a:chExt cx="5328159" cy="2549701"/>
             </a:xfrm>
           </p:grpSpPr>
           <p:sp>
@@ -7472,8 +7508,8 @@
             </p:nvSpPr>
             <p:spPr>
               <a:xfrm>
-                <a:off x="3501401" y="732429"/>
-                <a:ext cx="2076451" cy="2166937"/>
+                <a:off x="3258095" y="1782323"/>
+                <a:ext cx="2076450" cy="2166937"/>
               </a:xfrm>
               <a:prstGeom prst="rect">
                 <a:avLst/>
@@ -7504,7 +7540,7 @@
               </a:lstStyle>
               <a:p>
                 <a:r>
-                  <a:rPr lang="en-US" sz="12000" b="1" dirty="0">
+                  <a:rPr lang="en-US" sz="20000" b="1" dirty="0">
                     <a:solidFill>
                       <a:schemeClr val="accent4">
                         <a:lumMod val="75000"/>
@@ -7533,8 +7569,8 @@
             </p:nvSpPr>
             <p:spPr>
               <a:xfrm>
-                <a:off x="4776920" y="1614897"/>
-                <a:ext cx="2076451" cy="2166939"/>
+                <a:off x="4883948" y="2165086"/>
+                <a:ext cx="2076451" cy="2166938"/>
               </a:xfrm>
               <a:prstGeom prst="rect">
                 <a:avLst/>
@@ -7565,7 +7601,7 @@
               </a:lstStyle>
               <a:p>
                 <a:r>
-                  <a:rPr lang="en-US" sz="12000" b="1" dirty="0">
+                  <a:rPr lang="en-US" sz="20000" b="1" dirty="0">
                     <a:solidFill>
                       <a:schemeClr val="accent1">
                         <a:lumMod val="50000"/>
@@ -7594,7 +7630,7 @@
             </p:nvSpPr>
             <p:spPr>
               <a:xfrm>
-                <a:off x="1815186" y="1815898"/>
+                <a:off x="1632240" y="2165086"/>
                 <a:ext cx="2076449" cy="2166937"/>
               </a:xfrm>
               <a:prstGeom prst="rect">
@@ -7626,7 +7662,7 @@
               </a:lstStyle>
               <a:p>
                 <a:r>
-                  <a:rPr lang="en-US" sz="12000" b="1" dirty="0">
+                  <a:rPr lang="en-US" sz="20000" b="1" dirty="0">
                     <a:solidFill>
                       <a:srgbClr val="7030A0"/>
                     </a:solidFill>
@@ -7652,10 +7688,10 @@
           </p:nvGrpSpPr>
           <p:grpSpPr>
             <a:xfrm>
-              <a:off x="6683454" y="2102935"/>
-              <a:ext cx="5238130" cy="2360408"/>
-              <a:chOff x="1333413" y="861011"/>
-              <a:chExt cx="5238130" cy="2360408"/>
+              <a:off x="6688534" y="2102935"/>
+              <a:ext cx="5233050" cy="2360408"/>
+              <a:chOff x="1338493" y="861011"/>
+              <a:chExt cx="5233050" cy="2360408"/>
             </a:xfrm>
           </p:grpSpPr>
           <p:cxnSp>
@@ -7672,13 +7708,13 @@
             </p:nvCxnSpPr>
             <p:spPr>
               <a:xfrm>
-                <a:off x="1333413" y="867395"/>
+                <a:off x="1338493" y="867395"/>
                 <a:ext cx="0" cy="2354024"/>
               </a:xfrm>
               <a:prstGeom prst="line">
                 <a:avLst/>
               </a:prstGeom>
-              <a:ln w="69850">
+              <a:ln w="254000">
                 <a:solidFill>
                   <a:schemeClr val="tx1"/>
                 </a:solidFill>
@@ -7719,7 +7755,7 @@
               <a:prstGeom prst="line">
                 <a:avLst/>
               </a:prstGeom>
-              <a:ln w="69850">
+              <a:ln w="254000">
                 <a:solidFill>
                   <a:schemeClr val="tx1"/>
                 </a:solidFill>

--- a/images/Presentation1.pptx
+++ b/images/Presentation1.pptx
@@ -12,6 +12,7 @@
     <p:sldId id="260" r:id="rId6"/>
     <p:sldId id="261" r:id="rId7"/>
     <p:sldId id="262" r:id="rId8"/>
+    <p:sldId id="263" r:id="rId9"/>
   </p:sldIdLst>
   <p:sldSz cx="12192000" cy="6858000"/>
   <p:notesSz cx="6858000" cy="9144000"/>
@@ -265,7 +266,7 @@
           <a:p>
             <a:fld id="{667A0C78-CDBF-467F-A583-73418D0F68A2}" type="datetimeFigureOut">
               <a:rPr lang="en-US" smtClean="0"/>
-              <a:t>4/9/2023</a:t>
+              <a:t>4/19/2023</a:t>
             </a:fld>
             <a:endParaRPr lang="en-US"/>
           </a:p>
@@ -463,7 +464,7 @@
           <a:p>
             <a:fld id="{667A0C78-CDBF-467F-A583-73418D0F68A2}" type="datetimeFigureOut">
               <a:rPr lang="en-US" smtClean="0"/>
-              <a:t>4/9/2023</a:t>
+              <a:t>4/19/2023</a:t>
             </a:fld>
             <a:endParaRPr lang="en-US"/>
           </a:p>
@@ -671,7 +672,7 @@
           <a:p>
             <a:fld id="{667A0C78-CDBF-467F-A583-73418D0F68A2}" type="datetimeFigureOut">
               <a:rPr lang="en-US" smtClean="0"/>
-              <a:t>4/9/2023</a:t>
+              <a:t>4/19/2023</a:t>
             </a:fld>
             <a:endParaRPr lang="en-US"/>
           </a:p>
@@ -869,7 +870,7 @@
           <a:p>
             <a:fld id="{667A0C78-CDBF-467F-A583-73418D0F68A2}" type="datetimeFigureOut">
               <a:rPr lang="en-US" smtClean="0"/>
-              <a:t>4/9/2023</a:t>
+              <a:t>4/19/2023</a:t>
             </a:fld>
             <a:endParaRPr lang="en-US"/>
           </a:p>
@@ -1144,7 +1145,7 @@
           <a:p>
             <a:fld id="{667A0C78-CDBF-467F-A583-73418D0F68A2}" type="datetimeFigureOut">
               <a:rPr lang="en-US" smtClean="0"/>
-              <a:t>4/9/2023</a:t>
+              <a:t>4/19/2023</a:t>
             </a:fld>
             <a:endParaRPr lang="en-US"/>
           </a:p>
@@ -1409,7 +1410,7 @@
           <a:p>
             <a:fld id="{667A0C78-CDBF-467F-A583-73418D0F68A2}" type="datetimeFigureOut">
               <a:rPr lang="en-US" smtClean="0"/>
-              <a:t>4/9/2023</a:t>
+              <a:t>4/19/2023</a:t>
             </a:fld>
             <a:endParaRPr lang="en-US"/>
           </a:p>
@@ -1821,7 +1822,7 @@
           <a:p>
             <a:fld id="{667A0C78-CDBF-467F-A583-73418D0F68A2}" type="datetimeFigureOut">
               <a:rPr lang="en-US" smtClean="0"/>
-              <a:t>4/9/2023</a:t>
+              <a:t>4/19/2023</a:t>
             </a:fld>
             <a:endParaRPr lang="en-US"/>
           </a:p>
@@ -1962,7 +1963,7 @@
           <a:p>
             <a:fld id="{667A0C78-CDBF-467F-A583-73418D0F68A2}" type="datetimeFigureOut">
               <a:rPr lang="en-US" smtClean="0"/>
-              <a:t>4/9/2023</a:t>
+              <a:t>4/19/2023</a:t>
             </a:fld>
             <a:endParaRPr lang="en-US"/>
           </a:p>
@@ -2075,7 +2076,7 @@
           <a:p>
             <a:fld id="{667A0C78-CDBF-467F-A583-73418D0F68A2}" type="datetimeFigureOut">
               <a:rPr lang="en-US" smtClean="0"/>
-              <a:t>4/9/2023</a:t>
+              <a:t>4/19/2023</a:t>
             </a:fld>
             <a:endParaRPr lang="en-US"/>
           </a:p>
@@ -2386,7 +2387,7 @@
           <a:p>
             <a:fld id="{667A0C78-CDBF-467F-A583-73418D0F68A2}" type="datetimeFigureOut">
               <a:rPr lang="en-US" smtClean="0"/>
-              <a:t>4/9/2023</a:t>
+              <a:t>4/19/2023</a:t>
             </a:fld>
             <a:endParaRPr lang="en-US"/>
           </a:p>
@@ -2674,7 +2675,7 @@
           <a:p>
             <a:fld id="{667A0C78-CDBF-467F-A583-73418D0F68A2}" type="datetimeFigureOut">
               <a:rPr lang="en-US" smtClean="0"/>
-              <a:t>4/9/2023</a:t>
+              <a:t>4/19/2023</a:t>
             </a:fld>
             <a:endParaRPr lang="en-US"/>
           </a:p>
@@ -2915,7 +2916,7 @@
           <a:p>
             <a:fld id="{667A0C78-CDBF-467F-A583-73418D0F68A2}" type="datetimeFigureOut">
               <a:rPr lang="en-US" smtClean="0"/>
-              <a:t>4/9/2023</a:t>
+              <a:t>4/19/2023</a:t>
             </a:fld>
             <a:endParaRPr lang="en-US"/>
           </a:p>
@@ -6464,8 +6465,8 @@
         </p:blipFill>
         <p:spPr>
           <a:xfrm>
-            <a:off x="177302" y="-74635"/>
-            <a:ext cx="12191980" cy="6857990"/>
+            <a:off x="830424" y="755791"/>
+            <a:ext cx="10848371" cy="6102209"/>
           </a:xfrm>
           <a:prstGeom prst="rect">
             <a:avLst/>
@@ -6645,6 +6646,51 @@
           </a:fontRef>
         </p:style>
       </p:cxnSp>
+      <p:sp>
+        <p:nvSpPr>
+          <p:cNvPr id="2" name="Content Placeholder 2">
+            <a:extLst>
+              <a:ext uri="{FF2B5EF4-FFF2-40B4-BE49-F238E27FC236}">
+                <a16:creationId xmlns:a16="http://schemas.microsoft.com/office/drawing/2014/main" id="{0E627731-03DA-F13B-1FD4-7EC53F990487}"/>
+              </a:ext>
+            </a:extLst>
+          </p:cNvPr>
+          <p:cNvSpPr>
+            <a:spLocks noGrp="1"/>
+          </p:cNvSpPr>
+          <p:nvPr>
+            <p:ph idx="1"/>
+          </p:nvPr>
+        </p:nvSpPr>
+        <p:spPr>
+          <a:xfrm>
+            <a:off x="7534469" y="5398301"/>
+            <a:ext cx="3960845" cy="736550"/>
+          </a:xfrm>
+        </p:spPr>
+        <p:txBody>
+          <a:bodyPr>
+            <a:normAutofit lnSpcReduction="10000"/>
+          </a:bodyPr>
+          <a:lstStyle/>
+          <a:p>
+            <a:pPr marL="0" indent="0">
+              <a:buNone/>
+            </a:pPr>
+            <a:r>
+              <a:rPr lang="en-US" sz="4800" dirty="0">
+                <a:solidFill>
+                  <a:schemeClr val="accent2">
+                    <a:lumMod val="75000"/>
+                  </a:schemeClr>
+                </a:solidFill>
+                <a:latin typeface="Amasis MT Pro Black" panose="02040A04050005020304" pitchFamily="18" charset="0"/>
+              </a:rPr>
+              <a:t>Peter Zorve</a:t>
+            </a:r>
+          </a:p>
+        </p:txBody>
+      </p:sp>
     </p:spTree>
     <p:extLst>
       <p:ext uri="{BB962C8B-B14F-4D97-AF65-F5344CB8AC3E}">
@@ -6703,7 +6749,7 @@
         </p:blipFill>
         <p:spPr>
           <a:xfrm>
-            <a:off x="2276273" y="894641"/>
+            <a:off x="3180947" y="1789282"/>
             <a:ext cx="9011053" cy="5068718"/>
           </a:xfrm>
           <a:prstGeom prst="rect">
@@ -7791,6 +7837,97 @@
 </p:sld>
 </file>
 
+<file path=ppt/slides/slide8.xml><?xml version="1.0" encoding="utf-8"?>
+<p:sld xmlns:a="http://schemas.openxmlformats.org/drawingml/2006/main" xmlns:r="http://schemas.openxmlformats.org/officeDocument/2006/relationships" xmlns:p="http://schemas.openxmlformats.org/presentationml/2006/main">
+  <p:cSld>
+    <p:spTree>
+      <p:nvGrpSpPr>
+        <p:cNvPr id="1" name=""/>
+        <p:cNvGrpSpPr/>
+        <p:nvPr/>
+      </p:nvGrpSpPr>
+      <p:grpSpPr>
+        <a:xfrm>
+          <a:off x="0" y="0"/>
+          <a:ext cx="0" cy="0"/>
+          <a:chOff x="0" y="0"/>
+          <a:chExt cx="0" cy="0"/>
+        </a:xfrm>
+      </p:grpSpPr>
+      <p:sp>
+        <p:nvSpPr>
+          <p:cNvPr id="2" name="Title 1">
+            <a:extLst>
+              <a:ext uri="{FF2B5EF4-FFF2-40B4-BE49-F238E27FC236}">
+                <a16:creationId xmlns:a16="http://schemas.microsoft.com/office/drawing/2014/main" id="{31AFBF9B-E763-BE23-FFA9-D61B0D4AFD87}"/>
+              </a:ext>
+            </a:extLst>
+          </p:cNvPr>
+          <p:cNvSpPr>
+            <a:spLocks noGrp="1"/>
+          </p:cNvSpPr>
+          <p:nvPr>
+            <p:ph type="title"/>
+          </p:nvPr>
+        </p:nvSpPr>
+        <p:spPr/>
+        <p:txBody>
+          <a:bodyPr/>
+          <a:lstStyle/>
+          <a:p>
+            <a:endParaRPr lang="en-US" dirty="0"/>
+          </a:p>
+        </p:txBody>
+      </p:sp>
+      <p:sp>
+        <p:nvSpPr>
+          <p:cNvPr id="3" name="Content Placeholder 2">
+            <a:extLst>
+              <a:ext uri="{FF2B5EF4-FFF2-40B4-BE49-F238E27FC236}">
+                <a16:creationId xmlns:a16="http://schemas.microsoft.com/office/drawing/2014/main" id="{0F80D9D5-A970-6C0C-7F92-6B7A2F7F5A18}"/>
+              </a:ext>
+            </a:extLst>
+          </p:cNvPr>
+          <p:cNvSpPr>
+            <a:spLocks noGrp="1"/>
+          </p:cNvSpPr>
+          <p:nvPr>
+            <p:ph idx="1"/>
+          </p:nvPr>
+        </p:nvSpPr>
+        <p:spPr>
+          <a:xfrm>
+            <a:off x="838200" y="1825625"/>
+            <a:ext cx="2128935" cy="674979"/>
+          </a:xfrm>
+        </p:spPr>
+        <p:txBody>
+          <a:bodyPr/>
+          <a:lstStyle/>
+          <a:p>
+            <a:pPr marL="0" indent="0">
+              <a:buNone/>
+            </a:pPr>
+            <a:r>
+              <a:rPr lang="en-US" dirty="0"/>
+              <a:t>Peter Zorve</a:t>
+            </a:r>
+          </a:p>
+        </p:txBody>
+      </p:sp>
+    </p:spTree>
+    <p:extLst>
+      <p:ext uri="{BB962C8B-B14F-4D97-AF65-F5344CB8AC3E}">
+        <p14:creationId xmlns:p14="http://schemas.microsoft.com/office/powerpoint/2010/main" val="462022430"/>
+      </p:ext>
+    </p:extLst>
+  </p:cSld>
+  <p:clrMapOvr>
+    <a:masterClrMapping/>
+  </p:clrMapOvr>
+</p:sld>
+</file>
+
 <file path=ppt/theme/theme1.xml><?xml version="1.0" encoding="utf-8"?>
 <a:theme xmlns:a="http://schemas.openxmlformats.org/drawingml/2006/main" name="Office Theme">
   <a:themeElements>
